--- a/Calendario2019/2_3_ExpresionesMatematicas.pptx
+++ b/Calendario2019/2_3_ExpresionesMatematicas.pptx
@@ -222,7 +222,7 @@
           <a:p>
             <a:fld id="{486976DB-D568-43A8-8812-D646AE687A45}" type="datetimeFigureOut">
               <a:rPr lang="es-MX" smtClean="0"/>
-              <a:t>11/11/2019</a:t>
+              <a:t>12/11/2019</a:t>
             </a:fld>
             <a:endParaRPr lang="es-MX"/>
           </a:p>
@@ -4506,7 +4506,7 @@
           <a:p>
             <a:fld id="{1D8BD707-D9CF-40AE-B4C6-C98DA3205C09}" type="datetimeFigureOut">
               <a:rPr lang="en-US" smtClean="0"/>
-              <a:t>11/11/2019</a:t>
+              <a:t>11/12/2019</a:t>
             </a:fld>
             <a:endParaRPr lang="en-US"/>
           </a:p>
@@ -8301,7 +8301,7 @@
           <a:p>
             <a:fld id="{1D8BD707-D9CF-40AE-B4C6-C98DA3205C09}" type="datetimeFigureOut">
               <a:rPr lang="en-US" smtClean="0"/>
-              <a:t>11/11/2019</a:t>
+              <a:t>11/12/2019</a:t>
             </a:fld>
             <a:endParaRPr lang="en-US"/>
           </a:p>
@@ -8502,7 +8502,7 @@
           <a:p>
             <a:fld id="{1D8BD707-D9CF-40AE-B4C6-C98DA3205C09}" type="datetimeFigureOut">
               <a:rPr lang="en-US" smtClean="0"/>
-              <a:t>11/11/2019</a:t>
+              <a:t>11/12/2019</a:t>
             </a:fld>
             <a:endParaRPr lang="en-US"/>
           </a:p>
@@ -8645,7 +8645,7 @@
           <a:p>
             <a:fld id="{1D8BD707-D9CF-40AE-B4C6-C98DA3205C09}" type="datetimeFigureOut">
               <a:rPr lang="en-US" smtClean="0"/>
-              <a:t>11/11/2019</a:t>
+              <a:t>11/12/2019</a:t>
             </a:fld>
             <a:endParaRPr lang="en-US"/>
           </a:p>
@@ -8769,7 +8769,7 @@
           <a:p>
             <a:fld id="{1D8BD707-D9CF-40AE-B4C6-C98DA3205C09}" type="datetimeFigureOut">
               <a:rPr lang="en-US" smtClean="0"/>
-              <a:t>11/11/2019</a:t>
+              <a:t>11/12/2019</a:t>
             </a:fld>
             <a:endParaRPr lang="en-US"/>
           </a:p>
@@ -9031,7 +9031,7 @@
           <a:p>
             <a:fld id="{1D8BD707-D9CF-40AE-B4C6-C98DA3205C09}" type="datetimeFigureOut">
               <a:rPr lang="en-US" smtClean="0"/>
-              <a:t>11/11/2019</a:t>
+              <a:t>11/12/2019</a:t>
             </a:fld>
             <a:endParaRPr lang="en-US"/>
           </a:p>
@@ -17467,7 +17467,7 @@
         </p:nvSpPr>
         <p:spPr>
           <a:xfrm>
-            <a:off x="2371707" y="527014"/>
+            <a:off x="2159204" y="670412"/>
             <a:ext cx="6649037" cy="1242060"/>
           </a:xfrm>
           <a:prstGeom prst="rect">
@@ -17710,7 +17710,7 @@
         </p:nvSpPr>
         <p:spPr>
           <a:xfrm>
-            <a:off x="2408396" y="1552932"/>
+            <a:off x="2386450" y="1625902"/>
             <a:ext cx="4343398" cy="1737360"/>
           </a:xfrm>
           <a:prstGeom prst="rect">
@@ -25941,7 +25941,67 @@
                 </a:solidFill>
                 <a:cs typeface="Calibri"/>
               </a:rPr>
-              <a:t>, donde A, B y C son coeficientes de la ecuación.</a:t>
+              <a:t>, donde </a:t>
+            </a:r>
+            <a:r>
+              <a:rPr lang="es-MX" b="1" spc="-35" dirty="0">
+                <a:solidFill>
+                  <a:schemeClr val="accent6">
+                    <a:lumMod val="75000"/>
+                  </a:schemeClr>
+                </a:solidFill>
+                <a:cs typeface="Calibri"/>
+              </a:rPr>
+              <a:t>A</a:t>
+            </a:r>
+            <a:r>
+              <a:rPr lang="es-MX" b="1" spc="-35" dirty="0">
+                <a:solidFill>
+                  <a:srgbClr val="C5DAEB"/>
+                </a:solidFill>
+                <a:cs typeface="Calibri"/>
+              </a:rPr>
+              <a:t>, </a:t>
+            </a:r>
+            <a:r>
+              <a:rPr lang="es-MX" b="1" spc="-35" dirty="0">
+                <a:solidFill>
+                  <a:schemeClr val="accent6">
+                    <a:lumMod val="75000"/>
+                  </a:schemeClr>
+                </a:solidFill>
+                <a:cs typeface="Calibri"/>
+              </a:rPr>
+              <a:t>B </a:t>
+            </a:r>
+            <a:r>
+              <a:rPr lang="es-MX" b="1" spc="-35" dirty="0">
+                <a:solidFill>
+                  <a:srgbClr val="C5DAEB"/>
+                </a:solidFill>
+                <a:cs typeface="Calibri"/>
+              </a:rPr>
+              <a:t>y </a:t>
+            </a:r>
+            <a:r>
+              <a:rPr lang="es-MX" b="1" spc="-35" dirty="0">
+                <a:solidFill>
+                  <a:schemeClr val="accent6">
+                    <a:lumMod val="75000"/>
+                  </a:schemeClr>
+                </a:solidFill>
+                <a:cs typeface="Calibri"/>
+              </a:rPr>
+              <a:t>C </a:t>
+            </a:r>
+            <a:r>
+              <a:rPr lang="es-MX" b="1" spc="-35" dirty="0">
+                <a:solidFill>
+                  <a:srgbClr val="C5DAEB"/>
+                </a:solidFill>
+                <a:cs typeface="Calibri"/>
+              </a:rPr>
+              <a:t>son coeficientes de la ecuación.</a:t>
             </a:r>
             <a:endParaRPr lang="es-MX" b="1" spc="-35" dirty="0">
               <a:solidFill>
@@ -26079,7 +26139,7 @@
                 <a:latin typeface="Calibri"/>
                 <a:cs typeface="Calibri"/>
               </a:rPr>
-              <a:t> 2</a:t>
+              <a:t> 1</a:t>
             </a:r>
             <a:endParaRPr sz="4000" dirty="0">
               <a:latin typeface="Calibri"/>
@@ -26103,13 +26163,13 @@
           <p:nvPr>
             <p:extLst>
               <p:ext uri="{D42A27DB-BD31-4B8C-83A1-F6EECF244321}">
-                <p14:modId xmlns:p14="http://schemas.microsoft.com/office/powerpoint/2010/main" val="1465377796"/>
+                <p14:modId xmlns:p14="http://schemas.microsoft.com/office/powerpoint/2010/main" val="694846768"/>
               </p:ext>
             </p:extLst>
           </p:nvPr>
         </p:nvGraphicFramePr>
         <p:xfrm>
-          <a:off x="2511553" y="3157640"/>
+          <a:off x="2511553" y="3114814"/>
           <a:ext cx="5490969" cy="1341120"/>
         </p:xfrm>
         <a:graphic>
@@ -26477,7 +26537,7 @@
         </p:nvSpPr>
         <p:spPr>
           <a:xfrm>
-            <a:off x="2498113" y="2614576"/>
+            <a:off x="2498113" y="2571750"/>
             <a:ext cx="1692175" cy="388492"/>
           </a:xfrm>
           <a:prstGeom prst="rect">
@@ -26531,7 +26591,7 @@
         </p:nvSpPr>
         <p:spPr>
           <a:xfrm>
-            <a:off x="118157" y="4121151"/>
+            <a:off x="226912" y="3919981"/>
             <a:ext cx="2339245" cy="593851"/>
           </a:xfrm>
           <a:prstGeom prst="rect">
@@ -30578,13 +30638,13 @@
           <p:nvPr>
             <p:extLst>
               <p:ext uri="{D42A27DB-BD31-4B8C-83A1-F6EECF244321}">
-                <p14:modId xmlns:p14="http://schemas.microsoft.com/office/powerpoint/2010/main" val="447447951"/>
+                <p14:modId xmlns:p14="http://schemas.microsoft.com/office/powerpoint/2010/main" val="3380357893"/>
               </p:ext>
             </p:extLst>
           </p:nvPr>
         </p:nvGraphicFramePr>
         <p:xfrm>
-          <a:off x="2511553" y="3157640"/>
+          <a:off x="2511553" y="3288030"/>
           <a:ext cx="5490969" cy="1341120"/>
         </p:xfrm>
         <a:graphic>
@@ -30862,7 +30922,7 @@
         </p:nvSpPr>
         <p:spPr>
           <a:xfrm>
-            <a:off x="2498113" y="2614576"/>
+            <a:off x="2498113" y="2744966"/>
             <a:ext cx="1692175" cy="388492"/>
           </a:xfrm>
           <a:prstGeom prst="rect">
@@ -30996,7 +31056,7 @@
         </p:blipFill>
         <p:spPr>
           <a:xfrm>
-            <a:off x="4998424" y="434342"/>
+            <a:off x="4998424" y="514637"/>
             <a:ext cx="4107892" cy="2514313"/>
           </a:xfrm>
           <a:prstGeom prst="rect">
@@ -33444,6 +33504,10 @@
           </p:nvPr>
         </p:nvSpPr>
         <p:spPr>
+          <a:xfrm>
+            <a:off x="79581" y="4864608"/>
+            <a:ext cx="283464" cy="121920"/>
+          </a:xfrm>
           <a:prstGeom prst="rect">
             <a:avLst/>
           </a:prstGeom>
@@ -44490,6 +44554,10 @@
           </p:nvPr>
         </p:nvSpPr>
         <p:spPr>
+          <a:xfrm>
+            <a:off x="2541300" y="674804"/>
+            <a:ext cx="5521149" cy="632460"/>
+          </a:xfrm>
           <a:prstGeom prst="rect">
             <a:avLst/>
           </a:prstGeom>
@@ -44665,7 +44733,7 @@
               </a:rPr>
               <a:t>s</a:t>
             </a:r>
-            <a:endParaRPr sz="4000">
+            <a:endParaRPr sz="4000" dirty="0">
               <a:latin typeface="Calibri"/>
               <a:cs typeface="Calibri"/>
             </a:endParaRPr>
